--- a/dcoker 集群(k8s).pptx
+++ b/dcoker 集群(k8s).pptx
@@ -7525,7 +7525,15 @@
                       </a:pPr>
                       <a:r>
                         <a:rPr lang="zh-CN" altLang="en-US"/>
-                        <a:t>  PodSubnet: 10.244.0.0/16</a:t>
+                        <a:t>  </a:t>
+                      </a:r>
+                      <a:r>
+                        <a:rPr lang="en-US" altLang="zh-CN"/>
+                        <a:t>p</a:t>
+                      </a:r>
+                      <a:r>
+                        <a:rPr lang="zh-CN" altLang="en-US"/>
+                        <a:t>odSubnet: 10.244.0.0/16</a:t>
                       </a:r>
                       <a:endParaRPr lang="zh-CN" altLang="en-US"/>
                     </a:p>
@@ -10175,10 +10183,228 @@
         <p:txBody>
           <a:bodyPr/>
           <a:p>
-            <a:endParaRPr lang="zh-CN" altLang="en-US"/>
-          </a:p>
-        </p:txBody>
-      </p:sp>
+            <a:r>
+              <a:rPr lang="zh-CN" altLang="en-US"/>
+              <a:t>https://github.com/coreos/flannel</a:t>
+            </a:r>
+            <a:endParaRPr lang="zh-CN" altLang="en-US"/>
+          </a:p>
+          <a:p>
+            <a:r>
+              <a:rPr lang="zh-CN" altLang="en-US"/>
+              <a:t>看到</a:t>
+            </a:r>
+            <a:endParaRPr lang="zh-CN" altLang="en-US"/>
+          </a:p>
+          <a:p>
+            <a:r>
+              <a:rPr lang="zh-CN" altLang="en-US"/>
+              <a:t>For Kubernetes v1.7+ kubectl apply -f https://raw.githubusercontent.com/coreos/flannel/master/Documentation/kube-flannel.yml</a:t>
+            </a:r>
+            <a:endParaRPr lang="zh-CN" altLang="en-US"/>
+          </a:p>
+          <a:p>
+            <a:endParaRPr lang="zh-CN" altLang="en-US"/>
+          </a:p>
+          <a:p>
+            <a:r>
+              <a:rPr>
+                <a:sym typeface="+mn-ea"/>
+              </a:rPr>
+              <a:t>kubectl apply -f https://raw.githubusercontent.com/coreos/flannel/master/Documentation/kube-flannel.yml</a:t>
+            </a:r>
+            <a:endParaRPr>
+              <a:sym typeface="+mn-ea"/>
+            </a:endParaRPr>
+          </a:p>
+          <a:p>
+            <a:r>
+              <a:rPr>
+                <a:sym typeface="+mn-ea"/>
+              </a:rPr>
+              <a:t>或</a:t>
+            </a:r>
+            <a:endParaRPr>
+              <a:sym typeface="+mn-ea"/>
+            </a:endParaRPr>
+          </a:p>
+          <a:p>
+            <a:r>
+              <a:rPr>
+                <a:sym typeface="+mn-ea"/>
+              </a:rPr>
+              <a:t>kubectl apply -f </a:t>
+            </a:r>
+            <a:r>
+              <a:rPr lang="en-US" altLang="zh-CN">
+                <a:sym typeface="+mn-ea"/>
+              </a:rPr>
+              <a:t>/tmp</a:t>
+            </a:r>
+            <a:r>
+              <a:rPr>
+                <a:sym typeface="+mn-ea"/>
+              </a:rPr>
+              <a:t>/kube-flannel.yml</a:t>
+            </a:r>
+            <a:endParaRPr>
+              <a:sym typeface="+mn-ea"/>
+            </a:endParaRPr>
+          </a:p>
+          <a:p>
+            <a:r>
+              <a:rPr lang="zh-CN" altLang="en-US"/>
+              <a:t>检查</a:t>
+            </a:r>
+            <a:endParaRPr lang="zh-CN" altLang="en-US"/>
+          </a:p>
+          <a:p>
+            <a:r>
+              <a:rPr lang="zh-CN" altLang="en-US"/>
+              <a:t>kubectl get cs</a:t>
+            </a:r>
+            <a:endParaRPr lang="zh-CN" altLang="en-US"/>
+          </a:p>
+          <a:p>
+            <a:r>
+              <a:rPr lang="zh-CN" altLang="en-US"/>
+              <a:t>kubectl get pod -n kube-system</a:t>
+            </a:r>
+            <a:endParaRPr lang="zh-CN" altLang="en-US"/>
+          </a:p>
+        </p:txBody>
+      </p:sp>
+      <p:graphicFrame>
+        <p:nvGraphicFramePr>
+          <p:cNvPr id="4" name="表格 3"/>
+          <p:cNvGraphicFramePr/>
+          <p:nvPr/>
+        </p:nvGraphicFramePr>
+        <p:xfrm>
+          <a:off x="6188075" y="4477385"/>
+          <a:ext cx="8533765" cy="381000"/>
+        </p:xfrm>
+        <a:graphic>
+          <a:graphicData uri="http://schemas.openxmlformats.org/drawingml/2006/table">
+            <a:tbl>
+              <a:tblPr firstRow="1" bandRow="1">
+                <a:tableStyleId>{5C22544A-7EE6-4342-B048-85BDC9FD1C3A}</a:tableStyleId>
+              </a:tblPr>
+              <a:tblGrid>
+                <a:gridCol w="8533765"/>
+              </a:tblGrid>
+              <a:tr h="381000">
+                <a:tc>
+                  <a:txBody>
+                    <a:bodyPr/>
+                    <a:p>
+                      <a:pPr>
+                        <a:buNone/>
+                      </a:pPr>
+                      <a:r>
+                        <a:rPr lang="zh-CN" altLang="en-US"/>
+                        <a:t>[kubeadm@masnode1 ~]$ kubectl get pod -n kube-system</a:t>
+                      </a:r>
+                      <a:endParaRPr lang="zh-CN" altLang="en-US"/>
+                    </a:p>
+                    <a:p>
+                      <a:pPr>
+                        <a:buNone/>
+                      </a:pPr>
+                      <a:r>
+                        <a:rPr lang="zh-CN" altLang="en-US"/>
+                        <a:t>NAME                                           READY   STATUS    RESTARTS   AGE</a:t>
+                      </a:r>
+                      <a:endParaRPr lang="zh-CN" altLang="en-US"/>
+                    </a:p>
+                    <a:p>
+                      <a:pPr>
+                        <a:buNone/>
+                      </a:pPr>
+                      <a:r>
+                        <a:rPr lang="zh-CN" altLang="en-US"/>
+                        <a:t>coredns-5c98db65d4-4tprb                       1/1     Running   0          3m6s</a:t>
+                      </a:r>
+                      <a:endParaRPr lang="zh-CN" altLang="en-US"/>
+                    </a:p>
+                    <a:p>
+                      <a:pPr>
+                        <a:buNone/>
+                      </a:pPr>
+                      <a:r>
+                        <a:rPr lang="zh-CN" altLang="en-US"/>
+                        <a:t>coredns-5c98db65d4-8fp6r                       1/1     Running   0          3m6s</a:t>
+                      </a:r>
+                      <a:endParaRPr lang="zh-CN" altLang="en-US"/>
+                    </a:p>
+                    <a:p>
+                      <a:pPr>
+                        <a:buNone/>
+                      </a:pPr>
+                      <a:r>
+                        <a:rPr lang="zh-CN" altLang="en-US"/>
+                        <a:t>etcd-masnode1.example.com                      1/1     Running   0          2m1s</a:t>
+                      </a:r>
+                      <a:endParaRPr lang="zh-CN" altLang="en-US"/>
+                    </a:p>
+                    <a:p>
+                      <a:pPr>
+                        <a:buNone/>
+                      </a:pPr>
+                      <a:r>
+                        <a:rPr lang="zh-CN" altLang="en-US"/>
+                        <a:t>kube-apiserver-masnode1.example.com            1/1     Running   0          2m25s</a:t>
+                      </a:r>
+                      <a:endParaRPr lang="zh-CN" altLang="en-US"/>
+                    </a:p>
+                    <a:p>
+                      <a:pPr>
+                        <a:buNone/>
+                      </a:pPr>
+                      <a:r>
+                        <a:rPr lang="zh-CN" altLang="en-US"/>
+                        <a:t>kube-controller-manager-masnode1.example.com   1/1     Running   0          2m25s</a:t>
+                      </a:r>
+                      <a:endParaRPr lang="zh-CN" altLang="en-US"/>
+                    </a:p>
+                    <a:p>
+                      <a:pPr>
+                        <a:buNone/>
+                      </a:pPr>
+                      <a:r>
+                        <a:rPr lang="zh-CN" altLang="en-US"/>
+                        <a:t>kube-flannel-ds-amd64-h6647                    1/1     Running   0          98s</a:t>
+                      </a:r>
+                      <a:endParaRPr lang="zh-CN" altLang="en-US"/>
+                    </a:p>
+                    <a:p>
+                      <a:pPr>
+                        <a:buNone/>
+                      </a:pPr>
+                      <a:r>
+                        <a:rPr lang="zh-CN" altLang="en-US"/>
+                        <a:t>kube-proxy-bpgvv                               1/1     Running   0          3m6s</a:t>
+                      </a:r>
+                      <a:endParaRPr lang="zh-CN" altLang="en-US"/>
+                    </a:p>
+                    <a:p>
+                      <a:pPr>
+                        <a:buNone/>
+                      </a:pPr>
+                      <a:r>
+                        <a:rPr lang="zh-CN" altLang="en-US"/>
+                        <a:t>kube-scheduler-masnode1.example.com            1/1     Running   0          2m8s</a:t>
+                      </a:r>
+                      <a:endParaRPr lang="zh-CN" altLang="en-US"/>
+                    </a:p>
+                  </a:txBody>
+                  <a:tcPr/>
+                </a:tc>
+              </a:tr>
+            </a:tbl>
+          </a:graphicData>
+        </a:graphic>
+      </p:graphicFrame>
     </p:spTree>
     <p:custDataLst>
       <p:tags r:id="rId1"/>
